--- a/Java Урок 21 Колекції. Map. Пошук і сортування.pptx
+++ b/Java Урок 21 Колекції. Map. Пошук і сортування.pptx
@@ -215,7 +215,7 @@
           <a:p>
             <a:fld id="{8260D6B3-BC36-4AB9-83A6-3046B8D72481}" type="datetimeFigureOut">
               <a:rPr lang="uk-UA" smtClean="0"/>
-              <a:t>06.01.2024</a:t>
+              <a:t>12.01.2024</a:t>
             </a:fld>
             <a:endParaRPr lang="uk-UA"/>
           </a:p>
@@ -717,7 +717,7 @@
           <a:p>
             <a:fld id="{2E4796F2-75D7-4E0D-90A2-29831CB62763}" type="datetimeFigureOut">
               <a:rPr lang="uk-UA" smtClean="0"/>
-              <a:t>06.01.2024</a:t>
+              <a:t>12.01.2024</a:t>
             </a:fld>
             <a:endParaRPr lang="uk-UA"/>
           </a:p>
@@ -917,7 +917,7 @@
           <a:p>
             <a:fld id="{2E4796F2-75D7-4E0D-90A2-29831CB62763}" type="datetimeFigureOut">
               <a:rPr lang="uk-UA" smtClean="0"/>
-              <a:t>06.01.2024</a:t>
+              <a:t>12.01.2024</a:t>
             </a:fld>
             <a:endParaRPr lang="uk-UA"/>
           </a:p>
@@ -1127,7 +1127,7 @@
           <a:p>
             <a:fld id="{2E4796F2-75D7-4E0D-90A2-29831CB62763}" type="datetimeFigureOut">
               <a:rPr lang="uk-UA" smtClean="0"/>
-              <a:t>06.01.2024</a:t>
+              <a:t>12.01.2024</a:t>
             </a:fld>
             <a:endParaRPr lang="uk-UA"/>
           </a:p>
@@ -1327,7 +1327,7 @@
           <a:p>
             <a:fld id="{2E4796F2-75D7-4E0D-90A2-29831CB62763}" type="datetimeFigureOut">
               <a:rPr lang="uk-UA" smtClean="0"/>
-              <a:t>06.01.2024</a:t>
+              <a:t>12.01.2024</a:t>
             </a:fld>
             <a:endParaRPr lang="uk-UA"/>
           </a:p>
@@ -1603,7 +1603,7 @@
           <a:p>
             <a:fld id="{2E4796F2-75D7-4E0D-90A2-29831CB62763}" type="datetimeFigureOut">
               <a:rPr lang="uk-UA" smtClean="0"/>
-              <a:t>06.01.2024</a:t>
+              <a:t>12.01.2024</a:t>
             </a:fld>
             <a:endParaRPr lang="uk-UA"/>
           </a:p>
@@ -1871,7 +1871,7 @@
           <a:p>
             <a:fld id="{2E4796F2-75D7-4E0D-90A2-29831CB62763}" type="datetimeFigureOut">
               <a:rPr lang="uk-UA" smtClean="0"/>
-              <a:t>06.01.2024</a:t>
+              <a:t>12.01.2024</a:t>
             </a:fld>
             <a:endParaRPr lang="uk-UA"/>
           </a:p>
@@ -2286,7 +2286,7 @@
           <a:p>
             <a:fld id="{2E4796F2-75D7-4E0D-90A2-29831CB62763}" type="datetimeFigureOut">
               <a:rPr lang="uk-UA" smtClean="0"/>
-              <a:t>06.01.2024</a:t>
+              <a:t>12.01.2024</a:t>
             </a:fld>
             <a:endParaRPr lang="uk-UA"/>
           </a:p>
@@ -2428,7 +2428,7 @@
           <a:p>
             <a:fld id="{2E4796F2-75D7-4E0D-90A2-29831CB62763}" type="datetimeFigureOut">
               <a:rPr lang="uk-UA" smtClean="0"/>
-              <a:t>06.01.2024</a:t>
+              <a:t>12.01.2024</a:t>
             </a:fld>
             <a:endParaRPr lang="uk-UA"/>
           </a:p>
@@ -2541,7 +2541,7 @@
           <a:p>
             <a:fld id="{2E4796F2-75D7-4E0D-90A2-29831CB62763}" type="datetimeFigureOut">
               <a:rPr lang="uk-UA" smtClean="0"/>
-              <a:t>06.01.2024</a:t>
+              <a:t>12.01.2024</a:t>
             </a:fld>
             <a:endParaRPr lang="uk-UA"/>
           </a:p>
@@ -2854,7 +2854,7 @@
           <a:p>
             <a:fld id="{2E4796F2-75D7-4E0D-90A2-29831CB62763}" type="datetimeFigureOut">
               <a:rPr lang="uk-UA" smtClean="0"/>
-              <a:t>06.01.2024</a:t>
+              <a:t>12.01.2024</a:t>
             </a:fld>
             <a:endParaRPr lang="uk-UA"/>
           </a:p>
@@ -3143,7 +3143,7 @@
           <a:p>
             <a:fld id="{2E4796F2-75D7-4E0D-90A2-29831CB62763}" type="datetimeFigureOut">
               <a:rPr lang="uk-UA" smtClean="0"/>
-              <a:t>06.01.2024</a:t>
+              <a:t>12.01.2024</a:t>
             </a:fld>
             <a:endParaRPr lang="uk-UA"/>
           </a:p>
@@ -3386,7 +3386,7 @@
           <a:p>
             <a:fld id="{2E4796F2-75D7-4E0D-90A2-29831CB62763}" type="datetimeFigureOut">
               <a:rPr lang="uk-UA" smtClean="0"/>
-              <a:t>06.01.2024</a:t>
+              <a:t>12.01.2024</a:t>
             </a:fld>
             <a:endParaRPr lang="uk-UA"/>
           </a:p>
@@ -6613,11 +6613,18 @@
           </a:p>
           <a:p>
             <a:r>
+              <a:rPr lang="ru-RU" sz="2400" b="1" kern="1200" dirty="0" err="1">
+                <a:latin typeface="Times New Roman" panose="02020603050405020304" pitchFamily="18" charset="0"/>
+                <a:cs typeface="Times New Roman" panose="02020603050405020304" pitchFamily="18" charset="0"/>
+              </a:rPr>
+              <a:t>WeakHashMap</a:t>
+            </a:r>
+            <a:r>
               <a:rPr lang="ru-RU" sz="2400" b="1" kern="1200" dirty="0">
                 <a:latin typeface="Times New Roman" panose="02020603050405020304" pitchFamily="18" charset="0"/>
                 <a:cs typeface="Times New Roman" panose="02020603050405020304" pitchFamily="18" charset="0"/>
               </a:rPr>
-              <a:t>WeakHashMap </a:t>
+              <a:t> </a:t>
             </a:r>
             <a:r>
               <a:rPr lang="ru-RU" sz="2400" kern="1200" dirty="0">
@@ -8186,7 +8193,7 @@
           <a:graphicData uri="http://schemas.openxmlformats.org/presentationml/2006/ole">
             <mc:AlternateContent xmlns:mc="http://schemas.openxmlformats.org/markup-compatibility/2006">
               <mc:Choice xmlns:v="urn:schemas-microsoft-com:vml" Requires="v">
-                <p:oleObj spid="_x0000_s1074" name="Visio" r:id="rId3" imgW="5210355" imgH="2514653" progId="Visio.Drawing.11">
+                <p:oleObj spid="_x0000_s1076" name="Visio" r:id="rId3" imgW="5210355" imgH="2514653" progId="Visio.Drawing.11">
                   <p:embed/>
                 </p:oleObj>
               </mc:Choice>
@@ -8450,7 +8457,7 @@
           <a:graphicData uri="http://schemas.openxmlformats.org/presentationml/2006/ole">
             <mc:AlternateContent xmlns:mc="http://schemas.openxmlformats.org/markup-compatibility/2006">
               <mc:Choice xmlns:v="urn:schemas-microsoft-com:vml" Requires="v">
-                <p:oleObj spid="_x0000_s1075" name="Visio" r:id="rId5" imgW="1057314" imgH="1361980" progId="Visio.Drawing.11">
+                <p:oleObj spid="_x0000_s1077" name="Visio" r:id="rId5" imgW="1057314" imgH="1361980" progId="Visio.Drawing.11">
                   <p:embed/>
                 </p:oleObj>
               </mc:Choice>
